--- a/מפגש אמצע.pptx
+++ b/מפגש אמצע.pptx
@@ -9,10 +9,10 @@
   </p:notesMasterIdLst>
   <p:sldIdLst>
     <p:sldId id="256" r:id="rId2"/>
-    <p:sldId id="257" r:id="rId3"/>
-    <p:sldId id="258" r:id="rId4"/>
-    <p:sldId id="259" r:id="rId5"/>
-    <p:sldId id="261" r:id="rId6"/>
+    <p:sldId id="258" r:id="rId3"/>
+    <p:sldId id="261" r:id="rId4"/>
+    <p:sldId id="262" r:id="rId5"/>
+    <p:sldId id="263" r:id="rId6"/>
     <p:sldId id="260" r:id="rId7"/>
   </p:sldIdLst>
   <p:sldSz cx="12192000" cy="6858000"/>
@@ -3942,7 +3942,7 @@
           <p:cNvPr id="2" name="Title 1">
             <a:extLst>
               <a:ext uri="{FF2B5EF4-FFF2-40B4-BE49-F238E27FC236}">
-                <a16:creationId xmlns:a16="http://schemas.microsoft.com/office/drawing/2014/main" id="{51760575-8A5A-45A6-A9D1-1D84287BF329}"/>
+                <a16:creationId xmlns:a16="http://schemas.microsoft.com/office/drawing/2014/main" id="{5978158A-5A51-42EE-8CB4-DC7626DA5A4C}"/>
               </a:ext>
             </a:extLst>
           </p:cNvPr>
@@ -3961,308 +3961,7 @@
             <a:pPr algn="ctr" rtl="1"/>
             <a:r>
               <a:rPr lang="he-IL" dirty="0"/>
-              <a:t>הקדמה – הסבר האלגוריתם</a:t>
-            </a:r>
-            <a:endParaRPr lang="en-IL" dirty="0"/>
-          </a:p>
-        </p:txBody>
-      </p:sp>
-      <mc:AlternateContent xmlns:mc="http://schemas.openxmlformats.org/markup-compatibility/2006" xmlns:a14="http://schemas.microsoft.com/office/drawing/2010/main">
-        <mc:Choice Requires="a14">
-          <p:sp>
-            <p:nvSpPr>
-              <p:cNvPr id="3" name="Content Placeholder 2">
-                <a:extLst>
-                  <a:ext uri="{FF2B5EF4-FFF2-40B4-BE49-F238E27FC236}">
-                    <a16:creationId xmlns:a16="http://schemas.microsoft.com/office/drawing/2014/main" id="{5B65ED39-2A68-4DE0-B79B-3B631A5300FA}"/>
-                  </a:ext>
-                </a:extLst>
-              </p:cNvPr>
-              <p:cNvSpPr>
-                <a:spLocks noGrp="1"/>
-              </p:cNvSpPr>
-              <p:nvPr>
-                <p:ph idx="1"/>
-              </p:nvPr>
-            </p:nvSpPr>
-            <p:spPr/>
-            <p:txBody>
-              <a:bodyPr>
-                <a:normAutofit/>
-              </a:bodyPr>
-              <a:lstStyle/>
-              <a:p>
-                <a:pPr marL="0" indent="0" algn="ctr" rtl="1">
-                  <a:buNone/>
-                </a:pPr>
-                <a:r>
-                  <a:rPr lang="he-IL" sz="3200" u="sng" dirty="0"/>
-                  <a:t>אלגוריתם </a:t>
-                </a:r>
-                <a:r>
-                  <a:rPr lang="en-US" sz="3200" u="sng" dirty="0"/>
-                  <a:t>Branch and Bound</a:t>
-                </a:r>
-              </a:p>
-              <a:p>
-                <a:pPr marL="0" indent="0" algn="r" rtl="1">
-                  <a:buNone/>
-                </a:pPr>
-                <a:r>
-                  <a:rPr lang="he-IL" sz="2400" dirty="0"/>
-                  <a:t>אלגוריתם </a:t>
-                </a:r>
-                <a:r>
-                  <a:rPr lang="en-US" sz="2400" dirty="0"/>
-                  <a:t>B&amp;B</a:t>
-                </a:r>
-                <a:r>
-                  <a:rPr lang="he-IL" sz="2400" dirty="0"/>
-                  <a:t> נוצר לבעיות אופטימיזציה ומטרתו למצוא את הפתרון הגלובלי האופטימלי בהסתמך על חסמים עליונים ותחתונים על אזורים של מרחב החיפוש.</a:t>
-                </a:r>
-              </a:p>
-              <a:p>
-                <a:pPr marL="0" indent="0" algn="r" rtl="1">
-                  <a:buNone/>
-                </a:pPr>
-                <a:r>
-                  <a:rPr lang="he-IL" sz="2400" dirty="0"/>
-                  <a:t>במילים אחרות, המטרה היא למצוא ערך </a:t>
-                </a:r>
-                <a:r>
-                  <a:rPr lang="en-US" sz="2400" dirty="0"/>
-                  <a:t>x</a:t>
-                </a:r>
-                <a:r>
-                  <a:rPr lang="he-IL" sz="2400" dirty="0"/>
-                  <a:t> הממזער את הערך של הפונקציה </a:t>
-                </a:r>
-                <a14:m>
-                  <m:oMath xmlns:m="http://schemas.openxmlformats.org/officeDocument/2006/math">
-                    <m:r>
-                      <a:rPr lang="en-US" sz="2400" b="0" i="1" smtClean="0">
-                        <a:latin typeface="Cambria Math" panose="02040503050406030204" pitchFamily="18" charset="0"/>
-                      </a:rPr>
-                      <m:t>𝑓</m:t>
-                    </m:r>
-                    <m:r>
-                      <a:rPr lang="en-US" sz="2400" b="0" i="1" smtClean="0">
-                        <a:latin typeface="Cambria Math" panose="02040503050406030204" pitchFamily="18" charset="0"/>
-                      </a:rPr>
-                      <m:t>(</m:t>
-                    </m:r>
-                    <m:r>
-                      <a:rPr lang="en-US" sz="2400" b="0" i="1" smtClean="0">
-                        <a:latin typeface="Cambria Math" panose="02040503050406030204" pitchFamily="18" charset="0"/>
-                      </a:rPr>
-                      <m:t>𝑥</m:t>
-                    </m:r>
-                    <m:r>
-                      <a:rPr lang="en-US" sz="2400" b="0" i="1" smtClean="0">
-                        <a:latin typeface="Cambria Math" panose="02040503050406030204" pitchFamily="18" charset="0"/>
-                      </a:rPr>
-                      <m:t>)</m:t>
-                    </m:r>
-                  </m:oMath>
-                </a14:m>
-                <a:r>
-                  <a:rPr lang="he-IL" sz="2400" dirty="0"/>
-                  <a:t> מתוך קבוצת פתרונות אפשריים </a:t>
-                </a:r>
-                <a14:m>
-                  <m:oMath xmlns:m="http://schemas.openxmlformats.org/officeDocument/2006/math">
-                    <m:r>
-                      <a:rPr lang="en-US" sz="2400" b="0" i="1" smtClean="0">
-                        <a:latin typeface="Cambria Math" panose="02040503050406030204" pitchFamily="18" charset="0"/>
-                      </a:rPr>
-                      <m:t>𝑆</m:t>
-                    </m:r>
-                  </m:oMath>
-                </a14:m>
-                <a:r>
-                  <a:rPr lang="he-IL" sz="2400" dirty="0"/>
-                  <a:t>.</a:t>
-                </a:r>
-              </a:p>
-              <a:p>
-                <a:pPr marL="0" indent="0" algn="r" rtl="1">
-                  <a:buNone/>
-                </a:pPr>
-                <a:r>
-                  <a:rPr lang="en-US" sz="2400" dirty="0"/>
-                  <a:t>Branch</a:t>
-                </a:r>
-                <a:r>
-                  <a:rPr lang="he-IL" sz="2400" dirty="0"/>
-                  <a:t>: האלגוריתם מחלק באופן רקורסיבי את מרחב החיפוש למרחבים קטנים יותר, אשר בהם הוא ממזער את </a:t>
-                </a:r>
-                <a14:m>
-                  <m:oMath xmlns:m="http://schemas.openxmlformats.org/officeDocument/2006/math">
-                    <m:r>
-                      <a:rPr lang="en-US" sz="2400" b="0" i="1" smtClean="0">
-                        <a:latin typeface="Cambria Math" panose="02040503050406030204" pitchFamily="18" charset="0"/>
-                      </a:rPr>
-                      <m:t>𝑓</m:t>
-                    </m:r>
-                    <m:r>
-                      <a:rPr lang="en-US" sz="2400" b="0" i="1" smtClean="0">
-                        <a:latin typeface="Cambria Math" panose="02040503050406030204" pitchFamily="18" charset="0"/>
-                      </a:rPr>
-                      <m:t>(</m:t>
-                    </m:r>
-                    <m:r>
-                      <a:rPr lang="en-US" sz="2400" b="0" i="1" smtClean="0">
-                        <a:latin typeface="Cambria Math" panose="02040503050406030204" pitchFamily="18" charset="0"/>
-                      </a:rPr>
-                      <m:t>𝑥</m:t>
-                    </m:r>
-                    <m:r>
-                      <a:rPr lang="en-US" sz="2400" b="0" i="1" smtClean="0">
-                        <a:latin typeface="Cambria Math" panose="02040503050406030204" pitchFamily="18" charset="0"/>
-                      </a:rPr>
-                      <m:t>)</m:t>
-                    </m:r>
-                  </m:oMath>
-                </a14:m>
-                <a:r>
-                  <a:rPr lang="he-IL" sz="2400" dirty="0"/>
-                  <a:t>.</a:t>
-                </a:r>
-              </a:p>
-              <a:p>
-                <a:pPr marL="0" indent="0" algn="r" rtl="1">
-                  <a:buNone/>
-                </a:pPr>
-                <a:r>
-                  <a:rPr lang="en-US" sz="2400" dirty="0"/>
-                  <a:t>Bound</a:t>
-                </a:r>
-                <a:r>
-                  <a:rPr lang="he-IL" sz="2400" dirty="0"/>
-                  <a:t>: כדי לשפר את חיפוש ה- </a:t>
-                </a:r>
-                <a:r>
-                  <a:rPr lang="en-US" sz="2400" dirty="0"/>
-                  <a:t>Brute-Force</a:t>
-                </a:r>
-                <a:r>
-                  <a:rPr lang="he-IL" sz="2400" dirty="0"/>
-                  <a:t> על כל המרחב </a:t>
-                </a:r>
-                <a14:m>
-                  <m:oMath xmlns:m="http://schemas.openxmlformats.org/officeDocument/2006/math">
-                    <m:r>
-                      <a:rPr lang="en-US" sz="2400" b="0" i="1" smtClean="0">
-                        <a:latin typeface="Cambria Math" panose="02040503050406030204" pitchFamily="18" charset="0"/>
-                      </a:rPr>
-                      <m:t>𝑆</m:t>
-                    </m:r>
-                  </m:oMath>
-                </a14:m>
-                <a:r>
-                  <a:rPr lang="he-IL" sz="2400" dirty="0"/>
-                  <a:t>, האלגוריתם משתמש בחסמים שבעזרתם הוא מדיח תתי מרחבי פתרונות שניתן להוכיח שאינם מכילים את הפתרון האופטימלי.</a:t>
-                </a:r>
-                <a:endParaRPr lang="en-IL" sz="2400" dirty="0"/>
-              </a:p>
-            </p:txBody>
-          </p:sp>
-        </mc:Choice>
-        <mc:Fallback xmlns="">
-          <p:sp>
-            <p:nvSpPr>
-              <p:cNvPr id="3" name="Content Placeholder 2">
-                <a:extLst>
-                  <a:ext uri="{FF2B5EF4-FFF2-40B4-BE49-F238E27FC236}">
-                    <a16:creationId xmlns:a16="http://schemas.microsoft.com/office/drawing/2014/main" id="{5B65ED39-2A68-4DE0-B79B-3B631A5300FA}"/>
-                  </a:ext>
-                </a:extLst>
-              </p:cNvPr>
-              <p:cNvSpPr>
-                <a:spLocks noGrp="1" noRot="1" noChangeAspect="1" noMove="1" noResize="1" noEditPoints="1" noAdjustHandles="1" noChangeArrowheads="1" noChangeShapeType="1" noTextEdit="1"/>
-              </p:cNvSpPr>
-              <p:nvPr>
-                <p:ph idx="1"/>
-              </p:nvPr>
-            </p:nvSpPr>
-            <p:spPr>
-              <a:blipFill>
-                <a:blip r:embed="rId2"/>
-                <a:stretch>
-                  <a:fillRect l="-348" t="-3221" r="-928"/>
-                </a:stretch>
-              </a:blipFill>
-            </p:spPr>
-            <p:txBody>
-              <a:bodyPr/>
-              <a:lstStyle/>
-              <a:p>
-                <a:r>
-                  <a:rPr lang="en-IL">
-                    <a:noFill/>
-                  </a:rPr>
-                  <a:t> </a:t>
-                </a:r>
-              </a:p>
-            </p:txBody>
-          </p:sp>
-        </mc:Fallback>
-      </mc:AlternateContent>
-    </p:spTree>
-    <p:extLst>
-      <p:ext uri="{BB962C8B-B14F-4D97-AF65-F5344CB8AC3E}">
-        <p14:creationId xmlns:p14="http://schemas.microsoft.com/office/powerpoint/2010/main" val="297495715"/>
-      </p:ext>
-    </p:extLst>
-  </p:cSld>
-  <p:clrMapOvr>
-    <a:masterClrMapping/>
-  </p:clrMapOvr>
-</p:sld>
-</file>
-
-<file path=ppt/slides/slide3.xml><?xml version="1.0" encoding="utf-8"?>
-<p:sld xmlns:a="http://schemas.openxmlformats.org/drawingml/2006/main" xmlns:r="http://schemas.openxmlformats.org/officeDocument/2006/relationships" xmlns:p="http://schemas.openxmlformats.org/presentationml/2006/main">
-  <p:cSld>
-    <p:spTree>
-      <p:nvGrpSpPr>
-        <p:cNvPr id="1" name=""/>
-        <p:cNvGrpSpPr/>
-        <p:nvPr/>
-      </p:nvGrpSpPr>
-      <p:grpSpPr>
-        <a:xfrm>
-          <a:off x="0" y="0"/>
-          <a:ext cx="0" cy="0"/>
-          <a:chOff x="0" y="0"/>
-          <a:chExt cx="0" cy="0"/>
-        </a:xfrm>
-      </p:grpSpPr>
-      <p:sp>
-        <p:nvSpPr>
-          <p:cNvPr id="2" name="Title 1">
-            <a:extLst>
-              <a:ext uri="{FF2B5EF4-FFF2-40B4-BE49-F238E27FC236}">
-                <a16:creationId xmlns:a16="http://schemas.microsoft.com/office/drawing/2014/main" id="{5978158A-5A51-42EE-8CB4-DC7626DA5A4C}"/>
-              </a:ext>
-            </a:extLst>
-          </p:cNvPr>
-          <p:cNvSpPr>
-            <a:spLocks noGrp="1"/>
-          </p:cNvSpPr>
-          <p:nvPr>
-            <p:ph type="title"/>
-          </p:nvPr>
-        </p:nvSpPr>
-        <p:spPr/>
-        <p:txBody>
-          <a:bodyPr/>
-          <a:lstStyle/>
-          <a:p>
-            <a:pPr algn="ctr" rtl="1"/>
-            <a:r>
-              <a:rPr lang="he-IL" dirty="0"/>
-              <a:t>רעיון הפרויקט</a:t>
+              <a:t>תזכורת</a:t>
             </a:r>
             <a:endParaRPr lang="en-IL" dirty="0"/>
           </a:p>
@@ -4290,6 +3989,23 @@
             <a:normAutofit/>
           </a:bodyPr>
           <a:lstStyle/>
+          <a:p>
+            <a:pPr marL="0" indent="0" algn="r" rtl="1">
+              <a:buNone/>
+            </a:pPr>
+            <a:r>
+              <a:rPr lang="he-IL" sz="2400" dirty="0"/>
+              <a:t>הפרויקט שלנו הוא מחקר בתחום הלמידה העמוקה ושיפור האלגוריתם </a:t>
+            </a:r>
+            <a:r>
+              <a:rPr lang="en-US" sz="2400" dirty="0"/>
+              <a:t>Branch and Bound</a:t>
+            </a:r>
+            <a:r>
+              <a:rPr lang="he-IL" sz="2400" dirty="0"/>
+              <a:t> בעזרת מודל כזה.</a:t>
+            </a:r>
+          </a:p>
           <a:p>
             <a:pPr marL="0" indent="0" algn="r" rtl="1">
               <a:buNone/>
@@ -4333,166 +4049,7 @@
 </p:sld>
 </file>
 
-<file path=ppt/slides/slide4.xml><?xml version="1.0" encoding="utf-8"?>
-<p:sld xmlns:a="http://schemas.openxmlformats.org/drawingml/2006/main" xmlns:r="http://schemas.openxmlformats.org/officeDocument/2006/relationships" xmlns:p="http://schemas.openxmlformats.org/presentationml/2006/main">
-  <p:cSld>
-    <p:spTree>
-      <p:nvGrpSpPr>
-        <p:cNvPr id="1" name=""/>
-        <p:cNvGrpSpPr/>
-        <p:nvPr/>
-      </p:nvGrpSpPr>
-      <p:grpSpPr>
-        <a:xfrm>
-          <a:off x="0" y="0"/>
-          <a:ext cx="0" cy="0"/>
-          <a:chOff x="0" y="0"/>
-          <a:chExt cx="0" cy="0"/>
-        </a:xfrm>
-      </p:grpSpPr>
-      <p:sp>
-        <p:nvSpPr>
-          <p:cNvPr id="2" name="Title 1">
-            <a:extLst>
-              <a:ext uri="{FF2B5EF4-FFF2-40B4-BE49-F238E27FC236}">
-                <a16:creationId xmlns:a16="http://schemas.microsoft.com/office/drawing/2014/main" id="{6CEBAF3A-8705-4C8C-8443-A4EAB5C281D1}"/>
-              </a:ext>
-            </a:extLst>
-          </p:cNvPr>
-          <p:cNvSpPr>
-            <a:spLocks noGrp="1"/>
-          </p:cNvSpPr>
-          <p:nvPr>
-            <p:ph type="title"/>
-          </p:nvPr>
-        </p:nvSpPr>
-        <p:spPr/>
-        <p:txBody>
-          <a:bodyPr/>
-          <a:lstStyle/>
-          <a:p>
-            <a:pPr algn="ctr" rtl="1"/>
-            <a:r>
-              <a:rPr lang="he-IL" dirty="0"/>
-              <a:t>דוגמה לשימוש בתחום הראייה הממוחשבת</a:t>
-            </a:r>
-            <a:endParaRPr lang="en-IL" dirty="0"/>
-          </a:p>
-        </p:txBody>
-      </p:sp>
-      <p:sp>
-        <p:nvSpPr>
-          <p:cNvPr id="3" name="Content Placeholder 2">
-            <a:extLst>
-              <a:ext uri="{FF2B5EF4-FFF2-40B4-BE49-F238E27FC236}">
-                <a16:creationId xmlns:a16="http://schemas.microsoft.com/office/drawing/2014/main" id="{B87B52C4-60AF-46B0-85A4-1EF0D00EE716}"/>
-              </a:ext>
-            </a:extLst>
-          </p:cNvPr>
-          <p:cNvSpPr>
-            <a:spLocks noGrp="1"/>
-          </p:cNvSpPr>
-          <p:nvPr>
-            <p:ph idx="1"/>
-          </p:nvPr>
-        </p:nvSpPr>
-        <p:spPr/>
-        <p:txBody>
-          <a:bodyPr/>
-          <a:lstStyle/>
-          <a:p>
-            <a:pPr marL="0" indent="0" algn="ctr" rtl="1">
-              <a:buNone/>
-            </a:pPr>
-            <a:r>
-              <a:rPr lang="en-US" sz="3600" u="sng" dirty="0"/>
-              <a:t>Template Matching</a:t>
-            </a:r>
-          </a:p>
-          <a:p>
-            <a:pPr marL="0" indent="0" algn="r" rtl="1">
-              <a:buNone/>
-            </a:pPr>
-            <a:r>
-              <a:rPr lang="he-IL" dirty="0"/>
-              <a:t>התאמה של תבנית בתוך תמונה מוערכת בפונקציית שגיאה כגון </a:t>
-            </a:r>
-            <a:r>
-              <a:rPr lang="en-US" dirty="0"/>
-              <a:t>sum-of-square-difference</a:t>
-            </a:r>
-            <a:r>
-              <a:rPr lang="he-IL" dirty="0"/>
-              <a:t>.</a:t>
-            </a:r>
-          </a:p>
-          <a:p>
-            <a:pPr marL="0" indent="0" algn="r" rtl="1">
-              <a:buNone/>
-            </a:pPr>
-            <a:r>
-              <a:rPr lang="he-IL" dirty="0"/>
-              <a:t>התבנית אותה אנו מחפשים בתמונה יכולה להיות בכל מקום בתמונה, מוקטנת/מוגדלת, מסובבת </a:t>
-            </a:r>
-            <a:r>
-              <a:rPr lang="he-IL" dirty="0" err="1"/>
-              <a:t>ואפינית</a:t>
-            </a:r>
-            <a:r>
-              <a:rPr lang="he-IL" dirty="0"/>
-              <a:t> (</a:t>
-            </a:r>
-            <a:r>
-              <a:rPr lang="en-US" dirty="0"/>
-              <a:t>affined</a:t>
-            </a:r>
-            <a:r>
-              <a:rPr lang="he-IL" dirty="0"/>
-              <a:t>). מכאן</a:t>
-            </a:r>
-            <a:r>
-              <a:rPr lang="en-US" dirty="0"/>
-              <a:t> </a:t>
-            </a:r>
-            <a:r>
-              <a:rPr lang="he-IL" dirty="0"/>
-              <a:t>כמות הטרנספורמציות שיש לקחת בחשבון היא עצומה והחסם התחתון בכל תת מרחב פתרונות משתנה בהתאם לפרמטרים ולפונקציית השגיאה.</a:t>
-            </a:r>
-          </a:p>
-          <a:p>
-            <a:pPr marL="0" indent="0" algn="r" rtl="1">
-              <a:buNone/>
-            </a:pPr>
-            <a:r>
-              <a:rPr lang="he-IL" dirty="0"/>
-              <a:t>לפיכך, שימוש ב- </a:t>
-            </a:r>
-            <a:r>
-              <a:rPr lang="en-US" dirty="0"/>
-              <a:t>deep learning</a:t>
-            </a:r>
-            <a:r>
-              <a:rPr lang="he-IL" dirty="0"/>
-              <a:t> לקביעת החסם בדוגמה זו עשויה לשפר משמעותית את איכות האלגוריתם.</a:t>
-            </a:r>
-            <a:endParaRPr lang="en-IL" dirty="0"/>
-          </a:p>
-        </p:txBody>
-      </p:sp>
-    </p:spTree>
-    <p:extLst>
-      <p:ext uri="{BB962C8B-B14F-4D97-AF65-F5344CB8AC3E}">
-        <p14:creationId xmlns:p14="http://schemas.microsoft.com/office/powerpoint/2010/main" val="835958819"/>
-      </p:ext>
-    </p:extLst>
-  </p:cSld>
-  <p:clrMapOvr>
-    <a:masterClrMapping/>
-  </p:clrMapOvr>
-</p:sld>
-</file>
-
-<file path=ppt/slides/slide5.xml><?xml version="1.0" encoding="utf-8"?>
+<file path=ppt/slides/slide3.xml><?xml version="1.0" encoding="utf-8"?>
 <p:sld xmlns:a="http://schemas.openxmlformats.org/drawingml/2006/main" xmlns:r="http://schemas.openxmlformats.org/officeDocument/2006/relationships" xmlns:p="http://schemas.openxmlformats.org/presentationml/2006/main">
   <p:cSld>
     <p:spTree>
@@ -4745,6 +4302,246 @@
 </p:sld>
 </file>
 
+<file path=ppt/slides/slide4.xml><?xml version="1.0" encoding="utf-8"?>
+<p:sld xmlns:a="http://schemas.openxmlformats.org/drawingml/2006/main" xmlns:r="http://schemas.openxmlformats.org/officeDocument/2006/relationships" xmlns:p="http://schemas.openxmlformats.org/presentationml/2006/main">
+  <p:cSld>
+    <p:spTree>
+      <p:nvGrpSpPr>
+        <p:cNvPr id="1" name=""/>
+        <p:cNvGrpSpPr/>
+        <p:nvPr/>
+      </p:nvGrpSpPr>
+      <p:grpSpPr>
+        <a:xfrm>
+          <a:off x="0" y="0"/>
+          <a:ext cx="0" cy="0"/>
+          <a:chOff x="0" y="0"/>
+          <a:chExt cx="0" cy="0"/>
+        </a:xfrm>
+      </p:grpSpPr>
+      <p:sp>
+        <p:nvSpPr>
+          <p:cNvPr id="2" name="Title 1">
+            <a:extLst>
+              <a:ext uri="{FF2B5EF4-FFF2-40B4-BE49-F238E27FC236}">
+                <a16:creationId xmlns:a16="http://schemas.microsoft.com/office/drawing/2014/main" id="{02FCE286-72B3-4B2A-BDF1-2DE1A23703A8}"/>
+              </a:ext>
+            </a:extLst>
+          </p:cNvPr>
+          <p:cNvSpPr>
+            <a:spLocks noGrp="1"/>
+          </p:cNvSpPr>
+          <p:nvPr>
+            <p:ph type="title"/>
+          </p:nvPr>
+        </p:nvSpPr>
+        <p:spPr/>
+        <p:txBody>
+          <a:bodyPr/>
+          <a:lstStyle/>
+          <a:p>
+            <a:pPr algn="ctr" rtl="1"/>
+            <a:r>
+              <a:rPr lang="he-IL" dirty="0"/>
+              <a:t>מה עשינו עד עכשיו</a:t>
+            </a:r>
+            <a:endParaRPr lang="en-IL" dirty="0"/>
+          </a:p>
+        </p:txBody>
+      </p:sp>
+      <p:sp>
+        <p:nvSpPr>
+          <p:cNvPr id="3" name="Content Placeholder 2">
+            <a:extLst>
+              <a:ext uri="{FF2B5EF4-FFF2-40B4-BE49-F238E27FC236}">
+                <a16:creationId xmlns:a16="http://schemas.microsoft.com/office/drawing/2014/main" id="{321B5123-5593-4457-AE31-DA80DCE4F9D8}"/>
+              </a:ext>
+            </a:extLst>
+          </p:cNvPr>
+          <p:cNvSpPr>
+            <a:spLocks noGrp="1"/>
+          </p:cNvSpPr>
+          <p:nvPr>
+            <p:ph idx="1"/>
+          </p:nvPr>
+        </p:nvSpPr>
+        <p:spPr/>
+        <p:txBody>
+          <a:bodyPr/>
+          <a:lstStyle/>
+          <a:p>
+            <a:pPr algn="r" rtl="1"/>
+            <a:r>
+              <a:rPr lang="he-IL" dirty="0"/>
+              <a:t>התעסקנו בהתחלה בקריאה ומחקר על הנושא של </a:t>
+            </a:r>
+            <a:r>
+              <a:rPr lang="en-US" dirty="0"/>
+              <a:t>Branch and Bound</a:t>
+            </a:r>
+            <a:r>
+              <a:rPr lang="he-IL" dirty="0"/>
+              <a:t>.</a:t>
+            </a:r>
+          </a:p>
+          <a:p>
+            <a:pPr algn="r" rtl="1"/>
+            <a:r>
+              <a:rPr lang="he-IL" dirty="0"/>
+              <a:t>וגם תרגמנו כמעט את כל הקוד המקורי ל- </a:t>
+            </a:r>
+            <a:r>
+              <a:rPr lang="en-US" dirty="0"/>
+              <a:t>Python</a:t>
+            </a:r>
+            <a:r>
+              <a:rPr lang="he-IL" dirty="0"/>
+              <a:t>.</a:t>
+            </a:r>
+            <a:endParaRPr lang="en-IL" dirty="0"/>
+          </a:p>
+        </p:txBody>
+      </p:sp>
+    </p:spTree>
+    <p:extLst>
+      <p:ext uri="{BB962C8B-B14F-4D97-AF65-F5344CB8AC3E}">
+        <p14:creationId xmlns:p14="http://schemas.microsoft.com/office/powerpoint/2010/main" val="611333691"/>
+      </p:ext>
+    </p:extLst>
+  </p:cSld>
+  <p:clrMapOvr>
+    <a:masterClrMapping/>
+  </p:clrMapOvr>
+</p:sld>
+</file>
+
+<file path=ppt/slides/slide5.xml><?xml version="1.0" encoding="utf-8"?>
+<p:sld xmlns:a="http://schemas.openxmlformats.org/drawingml/2006/main" xmlns:r="http://schemas.openxmlformats.org/officeDocument/2006/relationships" xmlns:p="http://schemas.openxmlformats.org/presentationml/2006/main">
+  <p:cSld>
+    <p:spTree>
+      <p:nvGrpSpPr>
+        <p:cNvPr id="1" name=""/>
+        <p:cNvGrpSpPr/>
+        <p:nvPr/>
+      </p:nvGrpSpPr>
+      <p:grpSpPr>
+        <a:xfrm>
+          <a:off x="0" y="0"/>
+          <a:ext cx="0" cy="0"/>
+          <a:chOff x="0" y="0"/>
+          <a:chExt cx="0" cy="0"/>
+        </a:xfrm>
+      </p:grpSpPr>
+      <p:sp>
+        <p:nvSpPr>
+          <p:cNvPr id="2" name="Title 1">
+            <a:extLst>
+              <a:ext uri="{FF2B5EF4-FFF2-40B4-BE49-F238E27FC236}">
+                <a16:creationId xmlns:a16="http://schemas.microsoft.com/office/drawing/2014/main" id="{6C5E8A3D-6AE4-4365-8239-0341A0F9FB5A}"/>
+              </a:ext>
+            </a:extLst>
+          </p:cNvPr>
+          <p:cNvSpPr>
+            <a:spLocks noGrp="1"/>
+          </p:cNvSpPr>
+          <p:nvPr>
+            <p:ph type="title"/>
+          </p:nvPr>
+        </p:nvSpPr>
+        <p:spPr/>
+        <p:txBody>
+          <a:bodyPr/>
+          <a:lstStyle/>
+          <a:p>
+            <a:pPr algn="ctr"/>
+            <a:r>
+              <a:rPr lang="he-IL" dirty="0"/>
+              <a:t>איזה שלבים עיקריים נשארו</a:t>
+            </a:r>
+            <a:endParaRPr lang="en-IL" dirty="0"/>
+          </a:p>
+        </p:txBody>
+      </p:sp>
+      <p:sp>
+        <p:nvSpPr>
+          <p:cNvPr id="3" name="Content Placeholder 2">
+            <a:extLst>
+              <a:ext uri="{FF2B5EF4-FFF2-40B4-BE49-F238E27FC236}">
+                <a16:creationId xmlns:a16="http://schemas.microsoft.com/office/drawing/2014/main" id="{2CA56073-3456-44D2-953F-0D818AD7EFA0}"/>
+              </a:ext>
+            </a:extLst>
+          </p:cNvPr>
+          <p:cNvSpPr>
+            <a:spLocks noGrp="1"/>
+          </p:cNvSpPr>
+          <p:nvPr>
+            <p:ph idx="1"/>
+          </p:nvPr>
+        </p:nvSpPr>
+        <p:spPr/>
+        <p:txBody>
+          <a:bodyPr/>
+          <a:lstStyle/>
+          <a:p>
+            <a:pPr algn="r" rtl="1"/>
+            <a:r>
+              <a:rPr lang="he-IL" dirty="0"/>
+              <a:t>לסיים להעביר את הקוד ל- </a:t>
+            </a:r>
+            <a:r>
+              <a:rPr lang="en-US" dirty="0"/>
+              <a:t>Python</a:t>
+            </a:r>
+            <a:r>
+              <a:rPr lang="he-IL" dirty="0"/>
+              <a:t> ולהוכיח שאנחנו מקבלים אותן תוצאות כמו במחקר.</a:t>
+            </a:r>
+          </a:p>
+          <a:p>
+            <a:pPr algn="r" rtl="1"/>
+            <a:r>
+              <a:rPr lang="he-IL" dirty="0"/>
+              <a:t>לבנות מסד נתונים שיחזיק לנו המון תמונות ותבנית לכל תמונה, שישמש אותנו כדוגמאות בשלב האחרון.</a:t>
+            </a:r>
+          </a:p>
+          <a:p>
+            <a:pPr algn="r" rtl="1"/>
+            <a:r>
+              <a:rPr lang="he-IL" dirty="0"/>
+              <a:t>לחקור על מודלים של למידה עמוקה ולהבין בדיוק איך לממש את זה ב- </a:t>
+            </a:r>
+            <a:r>
+              <a:rPr lang="en-US" dirty="0"/>
+              <a:t>Python</a:t>
+            </a:r>
+            <a:r>
+              <a:rPr lang="he-IL" dirty="0"/>
+              <a:t>.</a:t>
+            </a:r>
+          </a:p>
+          <a:p>
+            <a:pPr algn="r" rtl="1"/>
+            <a:r>
+              <a:rPr lang="he-IL" dirty="0"/>
+              <a:t>להריץ את המערכת למידה ולשנות דברים עד לתוצאה מספקת</a:t>
+            </a:r>
+            <a:endParaRPr lang="en-IL" dirty="0"/>
+          </a:p>
+        </p:txBody>
+      </p:sp>
+    </p:spTree>
+    <p:extLst>
+      <p:ext uri="{BB962C8B-B14F-4D97-AF65-F5344CB8AC3E}">
+        <p14:creationId xmlns:p14="http://schemas.microsoft.com/office/powerpoint/2010/main" val="3686033886"/>
+      </p:ext>
+    </p:extLst>
+  </p:cSld>
+  <p:clrMapOvr>
+    <a:masterClrMapping/>
+  </p:clrMapOvr>
+</p:sld>
+</file>
+
 <file path=ppt/slides/slide6.xml><?xml version="1.0" encoding="utf-8"?>
 <p:sld xmlns:a="http://schemas.openxmlformats.org/drawingml/2006/main" xmlns:r="http://schemas.openxmlformats.org/officeDocument/2006/relationships" xmlns:p="http://schemas.openxmlformats.org/presentationml/2006/main">
   <p:cSld>
@@ -4786,7 +4583,7 @@
             <a:pPr algn="ctr" rtl="1"/>
             <a:r>
               <a:rPr lang="he-IL" dirty="0"/>
-              <a:t>לוח זמנים משוער</a:t>
+              <a:t>לוח זמנים משוער להמשך</a:t>
             </a:r>
             <a:endParaRPr lang="en-IL" dirty="0"/>
           </a:p>
@@ -4811,45 +4608,14 @@
         <p:spPr/>
         <p:txBody>
           <a:bodyPr>
-            <a:normAutofit lnSpcReduction="10000"/>
+            <a:normAutofit/>
           </a:bodyPr>
           <a:lstStyle/>
           <a:p>
             <a:pPr algn="r" rtl="1"/>
             <a:r>
               <a:rPr lang="he-IL" dirty="0"/>
-              <a:t>למידת הנושא – קריאת המאמרים, הרצה והבנה של הקוד הממומש במאמר (</a:t>
-            </a:r>
-            <a:r>
-              <a:rPr lang="en-US" dirty="0" err="1"/>
-              <a:t>Matlab</a:t>
-            </a:r>
-            <a:r>
-              <a:rPr lang="he-IL" dirty="0"/>
-              <a:t>) – </a:t>
-            </a:r>
-            <a:r>
-              <a:rPr lang="he-IL" i="1"/>
-              <a:t>3-4 שבועות</a:t>
-            </a:r>
-            <a:endParaRPr lang="he-IL" i="1" dirty="0"/>
-          </a:p>
-          <a:p>
-            <a:pPr algn="r" rtl="1"/>
-            <a:r>
-              <a:rPr lang="he-IL"/>
-              <a:t>שיחה </a:t>
-            </a:r>
-            <a:r>
-              <a:rPr lang="he-IL" dirty="0"/>
-              <a:t>עם סיימון לצורך שאלות, רעיונות ותכנונים</a:t>
-            </a:r>
-          </a:p>
-          <a:p>
-            <a:pPr algn="r" rtl="1"/>
-            <a:r>
-              <a:rPr lang="he-IL" dirty="0"/>
-              <a:t>מימוש הקוד מהמאמר ב-</a:t>
+              <a:t>סיום מימוש הקוד מהמאמר ב-</a:t>
             </a:r>
             <a:r>
               <a:rPr lang="en-US" dirty="0"/>
@@ -4861,7 +4627,7 @@
             </a:r>
             <a:r>
               <a:rPr lang="he-IL" i="1" dirty="0"/>
-              <a:t>כחודש</a:t>
+              <a:t>כמה שבועות</a:t>
             </a:r>
           </a:p>
           <a:p>
@@ -4881,6 +4647,22 @@
               <a:rPr lang="he-IL" i="1" dirty="0"/>
               <a:t>מספר שבועות</a:t>
             </a:r>
+          </a:p>
+          <a:p>
+            <a:pPr algn="r" rtl="1"/>
+            <a:r>
+              <a:rPr lang="he-IL" dirty="0"/>
+              <a:t>במקביל הקמת מסד נתונים לדוגמאות של תמונה ותבנית </a:t>
+            </a:r>
+            <a:r>
+              <a:rPr lang="he-IL"/>
+              <a:t>– </a:t>
+            </a:r>
+            <a:r>
+              <a:rPr lang="he-IL" i="1"/>
+              <a:t>מספר שבועות</a:t>
+            </a:r>
+            <a:endParaRPr lang="he-IL" dirty="0"/>
           </a:p>
           <a:p>
             <a:pPr algn="r" rtl="1"/>

--- a/מפגש אמצע.pptx
+++ b/מפגש אמצע.pptx
@@ -702,7 +702,7 @@
           <a:p>
             <a:fld id="{DAE672F7-6408-455E-B58A-00240CB3F696}" type="datetimeFigureOut">
               <a:rPr lang="en-IL" smtClean="0"/>
-              <a:t>08/03/2022</a:t>
+              <a:t>03/08/2022</a:t>
             </a:fld>
             <a:endParaRPr lang="en-IL"/>
           </a:p>
@@ -902,7 +902,7 @@
           <a:p>
             <a:fld id="{DAE672F7-6408-455E-B58A-00240CB3F696}" type="datetimeFigureOut">
               <a:rPr lang="en-IL" smtClean="0"/>
-              <a:t>08/03/2022</a:t>
+              <a:t>03/08/2022</a:t>
             </a:fld>
             <a:endParaRPr lang="en-IL"/>
           </a:p>
@@ -1112,7 +1112,7 @@
           <a:p>
             <a:fld id="{DAE672F7-6408-455E-B58A-00240CB3F696}" type="datetimeFigureOut">
               <a:rPr lang="en-IL" smtClean="0"/>
-              <a:t>08/03/2022</a:t>
+              <a:t>03/08/2022</a:t>
             </a:fld>
             <a:endParaRPr lang="en-IL"/>
           </a:p>
@@ -1312,7 +1312,7 @@
           <a:p>
             <a:fld id="{DAE672F7-6408-455E-B58A-00240CB3F696}" type="datetimeFigureOut">
               <a:rPr lang="en-IL" smtClean="0"/>
-              <a:t>08/03/2022</a:t>
+              <a:t>03/08/2022</a:t>
             </a:fld>
             <a:endParaRPr lang="en-IL"/>
           </a:p>
@@ -1588,7 +1588,7 @@
           <a:p>
             <a:fld id="{DAE672F7-6408-455E-B58A-00240CB3F696}" type="datetimeFigureOut">
               <a:rPr lang="en-IL" smtClean="0"/>
-              <a:t>08/03/2022</a:t>
+              <a:t>03/08/2022</a:t>
             </a:fld>
             <a:endParaRPr lang="en-IL"/>
           </a:p>
@@ -1856,7 +1856,7 @@
           <a:p>
             <a:fld id="{DAE672F7-6408-455E-B58A-00240CB3F696}" type="datetimeFigureOut">
               <a:rPr lang="en-IL" smtClean="0"/>
-              <a:t>08/03/2022</a:t>
+              <a:t>03/08/2022</a:t>
             </a:fld>
             <a:endParaRPr lang="en-IL"/>
           </a:p>
@@ -2271,7 +2271,7 @@
           <a:p>
             <a:fld id="{DAE672F7-6408-455E-B58A-00240CB3F696}" type="datetimeFigureOut">
               <a:rPr lang="en-IL" smtClean="0"/>
-              <a:t>08/03/2022</a:t>
+              <a:t>03/08/2022</a:t>
             </a:fld>
             <a:endParaRPr lang="en-IL"/>
           </a:p>
@@ -2413,7 +2413,7 @@
           <a:p>
             <a:fld id="{DAE672F7-6408-455E-B58A-00240CB3F696}" type="datetimeFigureOut">
               <a:rPr lang="en-IL" smtClean="0"/>
-              <a:t>08/03/2022</a:t>
+              <a:t>03/08/2022</a:t>
             </a:fld>
             <a:endParaRPr lang="en-IL"/>
           </a:p>
@@ -2526,7 +2526,7 @@
           <a:p>
             <a:fld id="{DAE672F7-6408-455E-B58A-00240CB3F696}" type="datetimeFigureOut">
               <a:rPr lang="en-IL" smtClean="0"/>
-              <a:t>08/03/2022</a:t>
+              <a:t>03/08/2022</a:t>
             </a:fld>
             <a:endParaRPr lang="en-IL"/>
           </a:p>
@@ -2839,7 +2839,7 @@
           <a:p>
             <a:fld id="{DAE672F7-6408-455E-B58A-00240CB3F696}" type="datetimeFigureOut">
               <a:rPr lang="en-IL" smtClean="0"/>
-              <a:t>08/03/2022</a:t>
+              <a:t>03/08/2022</a:t>
             </a:fld>
             <a:endParaRPr lang="en-IL"/>
           </a:p>
@@ -3128,7 +3128,7 @@
           <a:p>
             <a:fld id="{DAE672F7-6408-455E-B58A-00240CB3F696}" type="datetimeFigureOut">
               <a:rPr lang="en-IL" smtClean="0"/>
-              <a:t>08/03/2022</a:t>
+              <a:t>03/08/2022</a:t>
             </a:fld>
             <a:endParaRPr lang="en-IL"/>
           </a:p>
@@ -3371,7 +3371,7 @@
           <a:p>
             <a:fld id="{DAE672F7-6408-455E-B58A-00240CB3F696}" type="datetimeFigureOut">
               <a:rPr lang="en-IL" smtClean="0"/>
-              <a:t>08/03/2022</a:t>
+              <a:t>03/08/2022</a:t>
             </a:fld>
             <a:endParaRPr lang="en-IL"/>
           </a:p>
@@ -4003,7 +4003,7 @@
             </a:r>
             <a:r>
               <a:rPr lang="he-IL" sz="2400" dirty="0"/>
-              <a:t> בעזרת מודל כזה.</a:t>
+              <a:t> המופיע באלגוריתם שנכתב במחקר של סיימון, בעזרת מודל המוצא חסם אופטימלי בהינתן תמונה.</a:t>
             </a:r>
           </a:p>
           <a:p>
@@ -4012,7 +4012,7 @@
             </a:pPr>
             <a:r>
               <a:rPr lang="he-IL" sz="2400" dirty="0"/>
-              <a:t>החסמים באלגוריתם זה לקביעת סדר החיפוש והערכת הפתרון האופטימלי של תתי מרחבים, נקבעים לרוב באופן ידני שיתאימו לבעיות ספציפיות.</a:t>
+              <a:t>החסמים באלגוריתם זה לקביעת סדר החיפוש והערכת הפתרון האופטימלי של תתי מרחבים, נקבעים לרוב באופן ידני על ידי ניסוי וטעיה כך שיתאימו לבעיות ספציפיות.</a:t>
             </a:r>
           </a:p>
           <a:p>
@@ -4501,29 +4501,21 @@
             <a:pPr algn="r" rtl="1"/>
             <a:r>
               <a:rPr lang="he-IL" dirty="0"/>
-              <a:t>לבנות מסד נתונים שיחזיק לנו המון תמונות ותבנית לכל תמונה, שישמש אותנו כדוגמאות בשלב האחרון.</a:t>
+              <a:t>לבנות מסד נתונים שישמש אותנו כדוגמאות ללמידה בשלב האחרון.</a:t>
             </a:r>
           </a:p>
           <a:p>
             <a:pPr algn="r" rtl="1"/>
             <a:r>
               <a:rPr lang="he-IL" dirty="0"/>
-              <a:t>לחקור על מודלים של למידה עמוקה ולהבין בדיוק איך לממש את זה ב- </a:t>
-            </a:r>
-            <a:r>
-              <a:rPr lang="en-US" dirty="0"/>
-              <a:t>Python</a:t>
-            </a:r>
+              <a:t>לחקור על מודלים של למידה עמוקה ולהבין איזה מודל מתאים לבעיה ואיך לממש אותו בפרויקט שלנו.</a:t>
+            </a:r>
+          </a:p>
+          <a:p>
+            <a:pPr algn="r" rtl="1"/>
             <a:r>
               <a:rPr lang="he-IL" dirty="0"/>
-              <a:t>.</a:t>
-            </a:r>
-          </a:p>
-          <a:p>
-            <a:pPr algn="r" rtl="1"/>
-            <a:r>
-              <a:rPr lang="he-IL" dirty="0"/>
-              <a:t>להריץ את המערכת למידה ולשנות דברים עד לתוצאה מספקת</a:t>
+              <a:t>להריץ את מערכת הלמידה עד לתוצאה מספקת.</a:t>
             </a:r>
             <a:endParaRPr lang="en-IL" dirty="0"/>
           </a:p>
@@ -4626,15 +4618,16 @@
               <a:t> – </a:t>
             </a:r>
             <a:r>
-              <a:rPr lang="he-IL" i="1" dirty="0"/>
-              <a:t>כמה שבועות</a:t>
-            </a:r>
+              <a:rPr lang="he-IL" i="1"/>
+              <a:t>כמה שבועות.</a:t>
+            </a:r>
+            <a:endParaRPr lang="he-IL" i="1" dirty="0"/>
           </a:p>
           <a:p>
             <a:pPr lvl="1" algn="r" rtl="1"/>
             <a:r>
               <a:rPr lang="he-IL" dirty="0"/>
-              <a:t>מימוש קוד קריא, נגיש המכיל את הדוגמאות מהמאמר (צריך להראות כי בכל הדוגמאות מתקבלות תוצאות טובות)</a:t>
+              <a:t>מימוש קוד קריא, נגיש המכיל את הדוגמאות מהמאמר (צריך להראות כי בכל הדוגמאות מתקבלות תוצאות זהות לקוד המקורי).</a:t>
             </a:r>
           </a:p>
           <a:p>
@@ -4645,21 +4638,17 @@
             </a:r>
             <a:r>
               <a:rPr lang="he-IL" i="1" dirty="0"/>
-              <a:t>מספר שבועות</a:t>
+              <a:t>מספר שבועות.</a:t>
             </a:r>
           </a:p>
           <a:p>
             <a:pPr algn="r" rtl="1"/>
             <a:r>
               <a:rPr lang="he-IL" dirty="0"/>
-              <a:t>במקביל הקמת מסד נתונים לדוגמאות של תמונה ותבנית </a:t>
-            </a:r>
-            <a:r>
-              <a:rPr lang="he-IL"/>
-              <a:t>– </a:t>
-            </a:r>
-            <a:r>
-              <a:rPr lang="he-IL" i="1"/>
+              <a:t>במקביל הקמת מסד נתונים לדוגמאות של תמונה ותבנית – </a:t>
+            </a:r>
+            <a:r>
+              <a:rPr lang="he-IL" i="1" dirty="0"/>
               <a:t>מספר שבועות</a:t>
             </a:r>
             <a:endParaRPr lang="he-IL" dirty="0"/>
@@ -4672,14 +4661,14 @@
             </a:r>
             <a:r>
               <a:rPr lang="he-IL" i="1" dirty="0"/>
-              <a:t>3-4 חודשים (עד ההגשה)</a:t>
+              <a:t>3-4 חודשים (עד ההגשה).</a:t>
             </a:r>
           </a:p>
           <a:p>
             <a:pPr lvl="1" algn="r" rtl="1"/>
             <a:r>
               <a:rPr lang="he-IL" dirty="0"/>
-              <a:t>החלוקה של שלב זה תתבסס על התכנון שנבצע יחד עם סיימון</a:t>
+              <a:t>החלוקה של שלב זה תתבסס על התכנון שנבצע יחד עם סיימון.</a:t>
             </a:r>
             <a:endParaRPr lang="en-IL" dirty="0"/>
           </a:p>
